--- a/trunk/ironrhino/docs/getstarted.pptx
+++ b/trunk/ironrhino/docs/getstarted.pptx
@@ -306,7 +306,7 @@
             <a:fld id="{530820CF-B880-4189-942D-D702A7CBA730}" type="datetimeFigureOut">
               <a:rPr lang="zh-CN" altLang="en-US" smtClean="0"/>
               <a:pPr/>
-              <a:t>2013-12-27</a:t>
+              <a:t>2013-12-30</a:t>
             </a:fld>
             <a:endParaRPr lang="zh-CN" altLang="en-US"/>
           </a:p>
@@ -473,7 +473,7 @@
             <a:fld id="{530820CF-B880-4189-942D-D702A7CBA730}" type="datetimeFigureOut">
               <a:rPr lang="zh-CN" altLang="en-US" smtClean="0"/>
               <a:pPr/>
-              <a:t>2013-12-27</a:t>
+              <a:t>2013-12-30</a:t>
             </a:fld>
             <a:endParaRPr lang="zh-CN" altLang="en-US"/>
           </a:p>
@@ -650,7 +650,7 @@
             <a:fld id="{530820CF-B880-4189-942D-D702A7CBA730}" type="datetimeFigureOut">
               <a:rPr lang="zh-CN" altLang="en-US" smtClean="0"/>
               <a:pPr/>
-              <a:t>2013-12-27</a:t>
+              <a:t>2013-12-30</a:t>
             </a:fld>
             <a:endParaRPr lang="zh-CN" altLang="en-US"/>
           </a:p>
@@ -817,7 +817,7 @@
             <a:fld id="{530820CF-B880-4189-942D-D702A7CBA730}" type="datetimeFigureOut">
               <a:rPr lang="zh-CN" altLang="en-US" smtClean="0"/>
               <a:pPr/>
-              <a:t>2013-12-27</a:t>
+              <a:t>2013-12-30</a:t>
             </a:fld>
             <a:endParaRPr lang="zh-CN" altLang="en-US"/>
           </a:p>
@@ -1060,7 +1060,7 @@
             <a:fld id="{530820CF-B880-4189-942D-D702A7CBA730}" type="datetimeFigureOut">
               <a:rPr lang="zh-CN" altLang="en-US" smtClean="0"/>
               <a:pPr/>
-              <a:t>2013-12-27</a:t>
+              <a:t>2013-12-30</a:t>
             </a:fld>
             <a:endParaRPr lang="zh-CN" altLang="en-US"/>
           </a:p>
@@ -1345,7 +1345,7 @@
             <a:fld id="{530820CF-B880-4189-942D-D702A7CBA730}" type="datetimeFigureOut">
               <a:rPr lang="zh-CN" altLang="en-US" smtClean="0"/>
               <a:pPr/>
-              <a:t>2013-12-27</a:t>
+              <a:t>2013-12-30</a:t>
             </a:fld>
             <a:endParaRPr lang="zh-CN" altLang="en-US"/>
           </a:p>
@@ -1764,7 +1764,7 @@
             <a:fld id="{530820CF-B880-4189-942D-D702A7CBA730}" type="datetimeFigureOut">
               <a:rPr lang="zh-CN" altLang="en-US" smtClean="0"/>
               <a:pPr/>
-              <a:t>2013-12-27</a:t>
+              <a:t>2013-12-30</a:t>
             </a:fld>
             <a:endParaRPr lang="zh-CN" altLang="en-US"/>
           </a:p>
@@ -1879,7 +1879,7 @@
             <a:fld id="{530820CF-B880-4189-942D-D702A7CBA730}" type="datetimeFigureOut">
               <a:rPr lang="zh-CN" altLang="en-US" smtClean="0"/>
               <a:pPr/>
-              <a:t>2013-12-27</a:t>
+              <a:t>2013-12-30</a:t>
             </a:fld>
             <a:endParaRPr lang="zh-CN" altLang="en-US"/>
           </a:p>
@@ -1971,7 +1971,7 @@
             <a:fld id="{530820CF-B880-4189-942D-D702A7CBA730}" type="datetimeFigureOut">
               <a:rPr lang="zh-CN" altLang="en-US" smtClean="0"/>
               <a:pPr/>
-              <a:t>2013-12-27</a:t>
+              <a:t>2013-12-30</a:t>
             </a:fld>
             <a:endParaRPr lang="zh-CN" altLang="en-US"/>
           </a:p>
@@ -2245,7 +2245,7 @@
             <a:fld id="{530820CF-B880-4189-942D-D702A7CBA730}" type="datetimeFigureOut">
               <a:rPr lang="zh-CN" altLang="en-US" smtClean="0"/>
               <a:pPr/>
-              <a:t>2013-12-27</a:t>
+              <a:t>2013-12-30</a:t>
             </a:fld>
             <a:endParaRPr lang="zh-CN" altLang="en-US"/>
           </a:p>
@@ -2495,7 +2495,7 @@
             <a:fld id="{530820CF-B880-4189-942D-D702A7CBA730}" type="datetimeFigureOut">
               <a:rPr lang="zh-CN" altLang="en-US" smtClean="0"/>
               <a:pPr/>
-              <a:t>2013-12-27</a:t>
+              <a:t>2013-12-30</a:t>
             </a:fld>
             <a:endParaRPr lang="zh-CN" altLang="en-US"/>
           </a:p>
@@ -2705,7 +2705,7 @@
             <a:fld id="{530820CF-B880-4189-942D-D702A7CBA730}" type="datetimeFigureOut">
               <a:rPr lang="zh-CN" altLang="en-US" smtClean="0"/>
               <a:pPr/>
-              <a:t>2013-12-27</a:t>
+              <a:t>2013-12-30</a:t>
             </a:fld>
             <a:endParaRPr lang="zh-CN" altLang="en-US"/>
           </a:p>
@@ -3217,11 +3217,7 @@
             </a:pPr>
             <a:r>
               <a:rPr lang="en-US" altLang="zh-CN" sz="2000" dirty="0" smtClean="0"/>
-              <a:t>public </a:t>
-            </a:r>
-            <a:r>
-              <a:rPr lang="en-US" altLang="zh-CN" sz="2000" dirty="0" smtClean="0"/>
-              <a:t>class Product extends </a:t>
+              <a:t>public class Product extends </a:t>
             </a:r>
             <a:r>
               <a:rPr lang="en-US" altLang="zh-CN" sz="2000" dirty="0" err="1" smtClean="0"/>
@@ -3518,11 +3514,7 @@
             </a:pPr>
             <a:r>
               <a:rPr lang="en-US" altLang="zh-CN" sz="2000" dirty="0" smtClean="0"/>
-              <a:t>public </a:t>
-            </a:r>
-            <a:r>
-              <a:rPr lang="en-US" altLang="zh-CN" sz="2000" dirty="0" smtClean="0"/>
-              <a:t>class Product extends </a:t>
+              <a:t>public class Product extends </a:t>
             </a:r>
             <a:r>
               <a:rPr lang="en-US" altLang="zh-CN" sz="2000" dirty="0" err="1" smtClean="0"/>
@@ -3903,15 +3895,7 @@
                   <a:srgbClr val="FF0000"/>
                 </a:solidFill>
               </a:rPr>
-              <a:t>@</a:t>
-            </a:r>
-            <a:r>
-              <a:rPr lang="en-US" altLang="zh-CN" sz="5500" dirty="0" smtClean="0">
-                <a:solidFill>
-                  <a:srgbClr val="FF0000"/>
-                </a:solidFill>
-              </a:rPr>
-              <a:t>Owner(isolate = true)</a:t>
+              <a:t>@Owner(isolate = true)</a:t>
             </a:r>
           </a:p>
           <a:p>
@@ -4509,11 +4493,7 @@
             </a:pPr>
             <a:r>
               <a:rPr lang="en-US" altLang="zh-CN" sz="3000" dirty="0" smtClean="0"/>
-              <a:t>public </a:t>
-            </a:r>
-            <a:r>
-              <a:rPr lang="en-US" altLang="zh-CN" sz="3000" dirty="0" smtClean="0"/>
-              <a:t>class Product extends </a:t>
+              <a:t>public class Product extends </a:t>
             </a:r>
             <a:r>
               <a:rPr lang="en-US" altLang="zh-CN" sz="3000" dirty="0" err="1" smtClean="0"/>
@@ -5320,11 +5300,7 @@
             </a:pPr>
             <a:r>
               <a:rPr lang="en-US" altLang="zh-CN" sz="3000" dirty="0" smtClean="0"/>
-              <a:t>public </a:t>
-            </a:r>
-            <a:r>
-              <a:rPr lang="en-US" altLang="zh-CN" sz="3000" dirty="0" smtClean="0"/>
-              <a:t>class Product extends </a:t>
+              <a:t>public class Product extends </a:t>
             </a:r>
             <a:r>
               <a:rPr lang="en-US" altLang="zh-CN" sz="3000" dirty="0" err="1" smtClean="0"/>
@@ -6180,11 +6156,7 @@
             </a:r>
             <a:r>
               <a:rPr lang="en-US" altLang="zh-CN" dirty="0" smtClean="0"/>
-              <a:t> </a:t>
-            </a:r>
-            <a:r>
-              <a:rPr lang="en-US" altLang="zh-CN" dirty="0" smtClean="0"/>
-              <a:t>= "</a:t>
+              <a:t> = "</a:t>
             </a:r>
             <a:r>
               <a:rPr lang="en-US" altLang="zh-CN" dirty="0" err="1" smtClean="0"/>
@@ -6204,11 +6176,7 @@
             </a:r>
             <a:r>
               <a:rPr lang="en-US" altLang="zh-CN" smtClean="0"/>
-              <a:t>= </a:t>
-            </a:r>
-            <a:r>
-              <a:rPr lang="en-US" altLang="zh-CN" smtClean="0"/>
-              <a:t>“20", </a:t>
+              <a:t>= “20", </a:t>
             </a:r>
             <a:r>
               <a:rPr lang="en-US" altLang="zh-CN" dirty="0" smtClean="0"/>
@@ -6228,61 +6196,35 @@
             </a:r>
             <a:r>
               <a:rPr lang="en-US" altLang="zh-CN" dirty="0" smtClean="0"/>
-              <a:t>") </a:t>
-            </a:r>
-            <a:r>
-              <a:rPr lang="en-US" altLang="zh-CN" dirty="0" smtClean="0"/>
-              <a:t>})</a:t>
-            </a:r>
-          </a:p>
-          <a:p>
-            <a:pPr>
-              <a:buNone/>
-            </a:pPr>
-            <a:r>
-              <a:rPr lang="en-US" altLang="zh-CN" dirty="0" smtClean="0"/>
-              <a:t>	</a:t>
-            </a:r>
-            <a:r>
-              <a:rPr lang="en-US" altLang="zh-CN" dirty="0" smtClean="0"/>
-              <a:t>@Override</a:t>
-            </a:r>
-            <a:endParaRPr lang="en-US" altLang="zh-CN" dirty="0" smtClean="0"/>
-          </a:p>
-          <a:p>
-            <a:pPr>
-              <a:buNone/>
-            </a:pPr>
-            <a:r>
-              <a:rPr lang="en-US" altLang="zh-CN" dirty="0" smtClean="0"/>
-              <a:t>	public String save() </a:t>
-            </a:r>
-            <a:r>
-              <a:rPr lang="en-US" altLang="zh-CN" dirty="0" smtClean="0"/>
-              <a:t>{</a:t>
-            </a:r>
-          </a:p>
-          <a:p>
-            <a:pPr>
-              <a:buNone/>
-            </a:pPr>
-            <a:r>
-              <a:rPr lang="en-US" altLang="zh-CN" dirty="0" smtClean="0"/>
-              <a:t>	</a:t>
-            </a:r>
-            <a:r>
-              <a:rPr lang="en-US" altLang="zh-CN" dirty="0" smtClean="0"/>
-              <a:t>	//</a:t>
-            </a:r>
-            <a:r>
-              <a:rPr lang="en-US" altLang="zh-CN" dirty="0" smtClean="0"/>
-              <a:t> </a:t>
-            </a:r>
-            <a:r>
-              <a:rPr lang="en-US" altLang="zh-CN" dirty="0" smtClean="0"/>
-              <a:t>validate or do something else</a:t>
-            </a:r>
-            <a:endParaRPr lang="en-US" altLang="zh-CN" dirty="0" smtClean="0"/>
+              <a:t>") })</a:t>
+            </a:r>
+          </a:p>
+          <a:p>
+            <a:pPr>
+              <a:buNone/>
+            </a:pPr>
+            <a:r>
+              <a:rPr lang="en-US" altLang="zh-CN" dirty="0" smtClean="0"/>
+              <a:t>	@Override</a:t>
+            </a:r>
+          </a:p>
+          <a:p>
+            <a:pPr>
+              <a:buNone/>
+            </a:pPr>
+            <a:r>
+              <a:rPr lang="en-US" altLang="zh-CN" dirty="0" smtClean="0"/>
+              <a:t>	public String save() {</a:t>
+            </a:r>
+          </a:p>
+          <a:p>
+            <a:pPr>
+              <a:buNone/>
+            </a:pPr>
+            <a:r>
+              <a:rPr lang="en-US" altLang="zh-CN" dirty="0" smtClean="0"/>
+              <a:t>		// validate or do something else</a:t>
+            </a:r>
           </a:p>
           <a:p>
             <a:pPr>
@@ -7082,6 +7024,29 @@
           <a:p>
             <a:r>
               <a:rPr lang="zh-CN" altLang="en-US" sz="2400" dirty="0" smtClean="0"/>
+              <a:t>设置环境变量 </a:t>
+            </a:r>
+            <a:r>
+              <a:rPr lang="en-US" altLang="zh-CN" sz="2400" dirty="0" smtClean="0"/>
+              <a:t>STAGE=DEVELOPMENT ,</a:t>
+            </a:r>
+            <a:r>
+              <a:rPr lang="zh-CN" altLang="en-US" sz="2400" dirty="0" smtClean="0"/>
+              <a:t>这一步在开发环境很重要</a:t>
+            </a:r>
+            <a:r>
+              <a:rPr lang="en-US" altLang="zh-CN" sz="2400" dirty="0" smtClean="0"/>
+              <a:t>,</a:t>
+            </a:r>
+            <a:r>
+              <a:rPr lang="zh-CN" altLang="en-US" sz="2400" smtClean="0"/>
+              <a:t>很多改动不用重启就可以看到效果</a:t>
+            </a:r>
+            <a:endParaRPr lang="en-US" altLang="zh-CN" sz="2400" dirty="0" smtClean="0"/>
+          </a:p>
+          <a:p>
+            <a:r>
+              <a:rPr lang="zh-CN" altLang="en-US" sz="2400" dirty="0" smtClean="0"/>
               <a:t>将</a:t>
             </a:r>
             <a:r>
@@ -7332,7 +7297,6 @@
               <a:rPr lang="en-US" altLang="zh-CN" sz="2000" dirty="0" smtClean="0"/>
               <a:t>}</a:t>
             </a:r>
-            <a:endParaRPr lang="en-US" altLang="zh-CN" sz="2000" dirty="0" smtClean="0"/>
           </a:p>
         </p:txBody>
       </p:sp>
@@ -7786,11 +7750,7 @@
             </a:pPr>
             <a:r>
               <a:rPr lang="en-US" altLang="zh-CN" sz="2000" dirty="0" smtClean="0"/>
-              <a:t>public </a:t>
-            </a:r>
-            <a:r>
-              <a:rPr lang="en-US" altLang="zh-CN" sz="2000" dirty="0" smtClean="0"/>
-              <a:t>class Product extends </a:t>
+              <a:t>public class Product extends </a:t>
             </a:r>
             <a:r>
               <a:rPr lang="en-US" altLang="zh-CN" sz="2000" dirty="0" err="1" smtClean="0"/>
@@ -8102,11 +8062,7 @@
             </a:pPr>
             <a:r>
               <a:rPr lang="en-US" altLang="zh-CN" sz="2000" dirty="0" smtClean="0"/>
-              <a:t>public </a:t>
-            </a:r>
-            <a:r>
-              <a:rPr lang="en-US" altLang="zh-CN" sz="2000" dirty="0" smtClean="0"/>
-              <a:t>class Product extends </a:t>
+              <a:t>public class Product extends </a:t>
             </a:r>
             <a:r>
               <a:rPr lang="en-US" altLang="zh-CN" sz="2000" dirty="0" err="1" smtClean="0"/>

--- a/trunk/ironrhino/docs/getstarted.pptx
+++ b/trunk/ironrhino/docs/getstarted.pptx
@@ -306,7 +306,7 @@
             <a:fld id="{530820CF-B880-4189-942D-D702A7CBA730}" type="datetimeFigureOut">
               <a:rPr lang="zh-CN" altLang="en-US" smtClean="0"/>
               <a:pPr/>
-              <a:t>2013-12-30</a:t>
+              <a:t>2014/1/2</a:t>
             </a:fld>
             <a:endParaRPr lang="zh-CN" altLang="en-US"/>
           </a:p>
@@ -473,7 +473,7 @@
             <a:fld id="{530820CF-B880-4189-942D-D702A7CBA730}" type="datetimeFigureOut">
               <a:rPr lang="zh-CN" altLang="en-US" smtClean="0"/>
               <a:pPr/>
-              <a:t>2013-12-30</a:t>
+              <a:t>2014/1/2</a:t>
             </a:fld>
             <a:endParaRPr lang="zh-CN" altLang="en-US"/>
           </a:p>
@@ -650,7 +650,7 @@
             <a:fld id="{530820CF-B880-4189-942D-D702A7CBA730}" type="datetimeFigureOut">
               <a:rPr lang="zh-CN" altLang="en-US" smtClean="0"/>
               <a:pPr/>
-              <a:t>2013-12-30</a:t>
+              <a:t>2014/1/2</a:t>
             </a:fld>
             <a:endParaRPr lang="zh-CN" altLang="en-US"/>
           </a:p>
@@ -817,7 +817,7 @@
             <a:fld id="{530820CF-B880-4189-942D-D702A7CBA730}" type="datetimeFigureOut">
               <a:rPr lang="zh-CN" altLang="en-US" smtClean="0"/>
               <a:pPr/>
-              <a:t>2013-12-30</a:t>
+              <a:t>2014/1/2</a:t>
             </a:fld>
             <a:endParaRPr lang="zh-CN" altLang="en-US"/>
           </a:p>
@@ -1060,7 +1060,7 @@
             <a:fld id="{530820CF-B880-4189-942D-D702A7CBA730}" type="datetimeFigureOut">
               <a:rPr lang="zh-CN" altLang="en-US" smtClean="0"/>
               <a:pPr/>
-              <a:t>2013-12-30</a:t>
+              <a:t>2014/1/2</a:t>
             </a:fld>
             <a:endParaRPr lang="zh-CN" altLang="en-US"/>
           </a:p>
@@ -1345,7 +1345,7 @@
             <a:fld id="{530820CF-B880-4189-942D-D702A7CBA730}" type="datetimeFigureOut">
               <a:rPr lang="zh-CN" altLang="en-US" smtClean="0"/>
               <a:pPr/>
-              <a:t>2013-12-30</a:t>
+              <a:t>2014/1/2</a:t>
             </a:fld>
             <a:endParaRPr lang="zh-CN" altLang="en-US"/>
           </a:p>
@@ -1764,7 +1764,7 @@
             <a:fld id="{530820CF-B880-4189-942D-D702A7CBA730}" type="datetimeFigureOut">
               <a:rPr lang="zh-CN" altLang="en-US" smtClean="0"/>
               <a:pPr/>
-              <a:t>2013-12-30</a:t>
+              <a:t>2014/1/2</a:t>
             </a:fld>
             <a:endParaRPr lang="zh-CN" altLang="en-US"/>
           </a:p>
@@ -1879,7 +1879,7 @@
             <a:fld id="{530820CF-B880-4189-942D-D702A7CBA730}" type="datetimeFigureOut">
               <a:rPr lang="zh-CN" altLang="en-US" smtClean="0"/>
               <a:pPr/>
-              <a:t>2013-12-30</a:t>
+              <a:t>2014/1/2</a:t>
             </a:fld>
             <a:endParaRPr lang="zh-CN" altLang="en-US"/>
           </a:p>
@@ -1971,7 +1971,7 @@
             <a:fld id="{530820CF-B880-4189-942D-D702A7CBA730}" type="datetimeFigureOut">
               <a:rPr lang="zh-CN" altLang="en-US" smtClean="0"/>
               <a:pPr/>
-              <a:t>2013-12-30</a:t>
+              <a:t>2014/1/2</a:t>
             </a:fld>
             <a:endParaRPr lang="zh-CN" altLang="en-US"/>
           </a:p>
@@ -2245,7 +2245,7 @@
             <a:fld id="{530820CF-B880-4189-942D-D702A7CBA730}" type="datetimeFigureOut">
               <a:rPr lang="zh-CN" altLang="en-US" smtClean="0"/>
               <a:pPr/>
-              <a:t>2013-12-30</a:t>
+              <a:t>2014/1/2</a:t>
             </a:fld>
             <a:endParaRPr lang="zh-CN" altLang="en-US"/>
           </a:p>
@@ -2495,7 +2495,7 @@
             <a:fld id="{530820CF-B880-4189-942D-D702A7CBA730}" type="datetimeFigureOut">
               <a:rPr lang="zh-CN" altLang="en-US" smtClean="0"/>
               <a:pPr/>
-              <a:t>2013-12-30</a:t>
+              <a:t>2014/1/2</a:t>
             </a:fld>
             <a:endParaRPr lang="zh-CN" altLang="en-US"/>
           </a:p>
@@ -2705,7 +2705,7 @@
             <a:fld id="{530820CF-B880-4189-942D-D702A7CBA730}" type="datetimeFigureOut">
               <a:rPr lang="zh-CN" altLang="en-US" smtClean="0"/>
               <a:pPr/>
-              <a:t>2013-12-30</a:t>
+              <a:t>2014/1/2</a:t>
             </a:fld>
             <a:endParaRPr lang="zh-CN" altLang="en-US"/>
           </a:p>
@@ -6176,11 +6176,15 @@
             </a:r>
             <a:r>
               <a:rPr lang="en-US" altLang="zh-CN" smtClean="0"/>
-              <a:t>= “20", </a:t>
-            </a:r>
-            <a:r>
-              <a:rPr lang="en-US" altLang="zh-CN" dirty="0" smtClean="0"/>
-              <a:t>message = "</a:t>
+              <a:t>= </a:t>
+            </a:r>
+            <a:r>
+              <a:rPr lang="en-US" altLang="zh-CN" smtClean="0"/>
+              <a:t>“20</a:t>
+            </a:r>
+            <a:r>
+              <a:rPr lang="en-US" altLang="zh-CN" dirty="0" smtClean="0"/>
+              <a:t>", message = "</a:t>
             </a:r>
             <a:r>
               <a:rPr lang="zh-CN" altLang="en-US" dirty="0" smtClean="0"/>
